--- a/seis785_blockchain/PrepChain - SEIS 785 Final Project.pptx
+++ b/seis785_blockchain/PrepChain - SEIS 785 Final Project.pptx
@@ -3468,7 +3468,7 @@
           <a:p>
             <a:r>
               <a:rPr lang="en-US" dirty="0"/>
-              <a:t>The Problem of Tutoring Logs</a:t>
+              <a:t>Problems with Tutoring Logs</a:t>
             </a:r>
           </a:p>
         </p:txBody>
@@ -3493,12 +3493,6 @@
         <p:txBody>
           <a:bodyPr/>
           <a:lstStyle/>
-          <a:p>
-            <a:r>
-              <a:rPr lang="en-US" dirty="0"/>
-              <a:t>Potential clients want to see a tutor’s results, but student data must be kept private</a:t>
-            </a:r>
-          </a:p>
           <a:p>
             <a:r>
               <a:rPr lang="en-US" dirty="0"/>
@@ -3506,6 +3500,33 @@
             </a:r>
           </a:p>
           <a:p>
+            <a:pPr lvl="1"/>
+            <a:r>
+              <a:rPr lang="en-US" dirty="0"/>
+              <a:t>Insurance against students who do not put in requisite effort</a:t>
+            </a:r>
+          </a:p>
+          <a:p>
+            <a:pPr lvl="1"/>
+            <a:r>
+              <a:rPr lang="en-US" dirty="0"/>
+              <a:t>But, could be altered</a:t>
+            </a:r>
+          </a:p>
+          <a:p>
+            <a:r>
+              <a:rPr lang="en-US" dirty="0"/>
+              <a:t>Potential clients want to see a tutor’s results</a:t>
+            </a:r>
+          </a:p>
+          <a:p>
+            <a:pPr lvl="1"/>
+            <a:r>
+              <a:rPr lang="en-US" dirty="0"/>
+              <a:t>Student data must be kept private</a:t>
+            </a:r>
+          </a:p>
+          <a:p>
             <a:r>
               <a:rPr lang="en-US" dirty="0"/>
               <a:t>Scores may be canceled by testing companies</a:t>
@@ -3515,7 +3536,7 @@
             <a:pPr lvl="1"/>
             <a:r>
               <a:rPr lang="en-US" dirty="0"/>
-              <a:t>Currently, tutoring logs are not sufficient ‘proof of effort’</a:t>
+              <a:t>Tutoring logs are not sufficient ‘proof of effort’</a:t>
             </a:r>
           </a:p>
         </p:txBody>
@@ -3734,6 +3755,153 @@
                       </p:childTnLst>
                     </p:cTn>
                   </p:par>
+                  <p:par>
+                    <p:cTn id="19" fill="hold">
+                      <p:stCondLst>
+                        <p:cond delay="indefinite"/>
+                      </p:stCondLst>
+                      <p:childTnLst>
+                        <p:par>
+                          <p:cTn id="20" fill="hold">
+                            <p:stCondLst>
+                              <p:cond delay="0"/>
+                            </p:stCondLst>
+                            <p:childTnLst>
+                              <p:par>
+                                <p:cTn id="21" presetID="1" presetClass="entr" presetSubtype="0" fill="hold" grpId="0" nodeType="clickEffect">
+                                  <p:stCondLst>
+                                    <p:cond delay="0"/>
+                                  </p:stCondLst>
+                                  <p:childTnLst>
+                                    <p:set>
+                                      <p:cBhvr>
+                                        <p:cTn id="22" dur="1" fill="hold">
+                                          <p:stCondLst>
+                                            <p:cond delay="0"/>
+                                          </p:stCondLst>
+                                        </p:cTn>
+                                        <p:tgtEl>
+                                          <p:spTgt spid="3">
+                                            <p:txEl>
+                                              <p:pRg st="4" end="4"/>
+                                            </p:txEl>
+                                          </p:spTgt>
+                                        </p:tgtEl>
+                                        <p:attrNameLst>
+                                          <p:attrName>style.visibility</p:attrName>
+                                        </p:attrNameLst>
+                                      </p:cBhvr>
+                                      <p:to>
+                                        <p:strVal val="visible"/>
+                                      </p:to>
+                                    </p:set>
+                                  </p:childTnLst>
+                                </p:cTn>
+                              </p:par>
+                            </p:childTnLst>
+                          </p:cTn>
+                        </p:par>
+                      </p:childTnLst>
+                    </p:cTn>
+                  </p:par>
+                  <p:par>
+                    <p:cTn id="23" fill="hold">
+                      <p:stCondLst>
+                        <p:cond delay="indefinite"/>
+                      </p:stCondLst>
+                      <p:childTnLst>
+                        <p:par>
+                          <p:cTn id="24" fill="hold">
+                            <p:stCondLst>
+                              <p:cond delay="0"/>
+                            </p:stCondLst>
+                            <p:childTnLst>
+                              <p:par>
+                                <p:cTn id="25" presetID="1" presetClass="entr" presetSubtype="0" fill="hold" grpId="0" nodeType="clickEffect">
+                                  <p:stCondLst>
+                                    <p:cond delay="0"/>
+                                  </p:stCondLst>
+                                  <p:childTnLst>
+                                    <p:set>
+                                      <p:cBhvr>
+                                        <p:cTn id="26" dur="1" fill="hold">
+                                          <p:stCondLst>
+                                            <p:cond delay="0"/>
+                                          </p:stCondLst>
+                                        </p:cTn>
+                                        <p:tgtEl>
+                                          <p:spTgt spid="3">
+                                            <p:txEl>
+                                              <p:pRg st="5" end="5"/>
+                                            </p:txEl>
+                                          </p:spTgt>
+                                        </p:tgtEl>
+                                        <p:attrNameLst>
+                                          <p:attrName>style.visibility</p:attrName>
+                                        </p:attrNameLst>
+                                      </p:cBhvr>
+                                      <p:to>
+                                        <p:strVal val="visible"/>
+                                      </p:to>
+                                    </p:set>
+                                  </p:childTnLst>
+                                </p:cTn>
+                              </p:par>
+                            </p:childTnLst>
+                          </p:cTn>
+                        </p:par>
+                      </p:childTnLst>
+                    </p:cTn>
+                  </p:par>
+                  <p:par>
+                    <p:cTn id="27" fill="hold">
+                      <p:stCondLst>
+                        <p:cond delay="indefinite"/>
+                      </p:stCondLst>
+                      <p:childTnLst>
+                        <p:par>
+                          <p:cTn id="28" fill="hold">
+                            <p:stCondLst>
+                              <p:cond delay="0"/>
+                            </p:stCondLst>
+                            <p:childTnLst>
+                              <p:par>
+                                <p:cTn id="29" presetID="1" presetClass="entr" presetSubtype="0" fill="hold" grpId="0" nodeType="clickEffect">
+                                  <p:stCondLst>
+                                    <p:cond delay="0"/>
+                                  </p:stCondLst>
+                                  <p:childTnLst>
+                                    <p:set>
+                                      <p:cBhvr>
+                                        <p:cTn id="30" dur="1" fill="hold">
+                                          <p:stCondLst>
+                                            <p:cond delay="0"/>
+                                          </p:stCondLst>
+                                        </p:cTn>
+                                        <p:tgtEl>
+                                          <p:spTgt spid="3">
+                                            <p:txEl>
+                                              <p:pRg st="6" end="6"/>
+                                            </p:txEl>
+                                          </p:spTgt>
+                                        </p:tgtEl>
+                                        <p:attrNameLst>
+                                          <p:attrName>style.visibility</p:attrName>
+                                        </p:attrNameLst>
+                                      </p:cBhvr>
+                                      <p:to>
+                                        <p:strVal val="visible"/>
+                                      </p:to>
+                                    </p:set>
+                                  </p:childTnLst>
+                                </p:cTn>
+                              </p:par>
+                            </p:childTnLst>
+                          </p:cTn>
+                        </p:par>
+                      </p:childTnLst>
+                    </p:cTn>
+                  </p:par>
                 </p:childTnLst>
               </p:cTn>
               <p:prevCondLst>
@@ -3851,7 +4019,7 @@
             </a:pPr>
             <a:r>
               <a:rPr lang="en-US" dirty="0"/>
-              <a:t>     -&gt;Tutor gives assignment and student completes assignment</a:t>
+              <a:t>     [Tutor gives assignment and student completes assignment]</a:t>
             </a:r>
           </a:p>
           <a:p>
@@ -3860,7 +4028,7 @@
             </a:pPr>
             <a:r>
               <a:rPr lang="en-US" dirty="0"/>
-              <a:t>          -&gt;Tutor user sends log of student activity to student’s public key</a:t>
+              <a:t>          -&gt;Tutor sends log of student activity to student’s public key</a:t>
             </a:r>
           </a:p>
           <a:p>
